--- a/spring14/slidesS14/ScomposeR.pptx
+++ b/spring14/slidesS14/ScomposeR.pptx
@@ -288,7 +288,7 @@
           <a:p>
             <a:fld id="{20CF5AF2-5F2E-CB40-9490-418D0E313E50}" type="datetimeFigureOut">
               <a:rPr lang="en-US" smtClean="0"/>
-              <a:t>2/27/14</a:t>
+              <a:t>3/5/14</a:t>
             </a:fld>
             <a:endParaRPr lang="en-US"/>
           </a:p>
@@ -458,7 +458,7 @@
           <a:p>
             <a:fld id="{20CF5AF2-5F2E-CB40-9490-418D0E313E50}" type="datetimeFigureOut">
               <a:rPr lang="en-US" smtClean="0"/>
-              <a:t>2/27/14</a:t>
+              <a:t>3/5/14</a:t>
             </a:fld>
             <a:endParaRPr lang="en-US"/>
           </a:p>
@@ -638,7 +638,7 @@
           <a:p>
             <a:fld id="{20CF5AF2-5F2E-CB40-9490-418D0E313E50}" type="datetimeFigureOut">
               <a:rPr lang="en-US" smtClean="0"/>
-              <a:t>2/27/14</a:t>
+              <a:t>3/5/14</a:t>
             </a:fld>
             <a:endParaRPr lang="en-US"/>
           </a:p>
@@ -808,7 +808,7 @@
           <a:p>
             <a:fld id="{20CF5AF2-5F2E-CB40-9490-418D0E313E50}" type="datetimeFigureOut">
               <a:rPr lang="en-US" smtClean="0"/>
-              <a:t>2/27/14</a:t>
+              <a:t>3/5/14</a:t>
             </a:fld>
             <a:endParaRPr lang="en-US"/>
           </a:p>
@@ -1054,7 +1054,7 @@
           <a:p>
             <a:fld id="{20CF5AF2-5F2E-CB40-9490-418D0E313E50}" type="datetimeFigureOut">
               <a:rPr lang="en-US" smtClean="0"/>
-              <a:t>2/27/14</a:t>
+              <a:t>3/5/14</a:t>
             </a:fld>
             <a:endParaRPr lang="en-US"/>
           </a:p>
@@ -1342,7 +1342,7 @@
           <a:p>
             <a:fld id="{20CF5AF2-5F2E-CB40-9490-418D0E313E50}" type="datetimeFigureOut">
               <a:rPr lang="en-US" smtClean="0"/>
-              <a:t>2/27/14</a:t>
+              <a:t>3/5/14</a:t>
             </a:fld>
             <a:endParaRPr lang="en-US"/>
           </a:p>
@@ -1764,7 +1764,7 @@
           <a:p>
             <a:fld id="{20CF5AF2-5F2E-CB40-9490-418D0E313E50}" type="datetimeFigureOut">
               <a:rPr lang="en-US" smtClean="0"/>
-              <a:t>2/27/14</a:t>
+              <a:t>3/5/14</a:t>
             </a:fld>
             <a:endParaRPr lang="en-US"/>
           </a:p>
@@ -1882,7 +1882,7 @@
           <a:p>
             <a:fld id="{20CF5AF2-5F2E-CB40-9490-418D0E313E50}" type="datetimeFigureOut">
               <a:rPr lang="en-US" smtClean="0"/>
-              <a:t>2/27/14</a:t>
+              <a:t>3/5/14</a:t>
             </a:fld>
             <a:endParaRPr lang="en-US"/>
           </a:p>
@@ -1977,7 +1977,7 @@
           <a:p>
             <a:fld id="{20CF5AF2-5F2E-CB40-9490-418D0E313E50}" type="datetimeFigureOut">
               <a:rPr lang="en-US" smtClean="0"/>
-              <a:t>2/27/14</a:t>
+              <a:t>3/5/14</a:t>
             </a:fld>
             <a:endParaRPr lang="en-US"/>
           </a:p>
@@ -2254,7 +2254,7 @@
           <a:p>
             <a:fld id="{20CF5AF2-5F2E-CB40-9490-418D0E313E50}" type="datetimeFigureOut">
               <a:rPr lang="en-US" smtClean="0"/>
-              <a:t>2/27/14</a:t>
+              <a:t>3/5/14</a:t>
             </a:fld>
             <a:endParaRPr lang="en-US"/>
           </a:p>
@@ -2507,7 +2507,7 @@
           <a:p>
             <a:fld id="{20CF5AF2-5F2E-CB40-9490-418D0E313E50}" type="datetimeFigureOut">
               <a:rPr lang="en-US" smtClean="0"/>
-              <a:t>2/27/14</a:t>
+              <a:t>3/5/14</a:t>
             </a:fld>
             <a:endParaRPr lang="en-US"/>
           </a:p>
@@ -2720,7 +2720,7 @@
           <a:p>
             <a:fld id="{20CF5AF2-5F2E-CB40-9490-418D0E313E50}" type="datetimeFigureOut">
               <a:rPr lang="en-US" smtClean="0"/>
-              <a:t>2/27/14</a:t>
+              <a:t>3/5/14</a:t>
             </a:fld>
             <a:endParaRPr lang="en-US"/>
           </a:p>
@@ -3839,45 +3839,6 @@
       </p:cxnSp>
       <p:cxnSp>
         <p:nvCxnSpPr>
-          <p:cNvPr id="28" name="Straight Arrow Connector 27"/>
-          <p:cNvCxnSpPr>
-            <a:stCxn id="5" idx="7"/>
-            <a:endCxn id="7" idx="3"/>
-          </p:cNvCxnSpPr>
-          <p:nvPr/>
-        </p:nvCxnSpPr>
-        <p:spPr>
-          <a:xfrm flipV="1">
-            <a:off x="2258005" y="2200919"/>
-            <a:ext cx="2220689" cy="1618216"/>
-          </a:xfrm>
-          <a:prstGeom prst="straightConnector1">
-            <a:avLst/>
-          </a:prstGeom>
-          <a:ln w="38100">
-            <a:solidFill>
-              <a:schemeClr val="tx1"/>
-            </a:solidFill>
-            <a:tailEnd type="stealth" w="lg" len="lg"/>
-          </a:ln>
-        </p:spPr>
-        <p:style>
-          <a:lnRef idx="2">
-            <a:schemeClr val="accent1"/>
-          </a:lnRef>
-          <a:fillRef idx="0">
-            <a:schemeClr val="accent1"/>
-          </a:fillRef>
-          <a:effectRef idx="1">
-            <a:schemeClr val="accent1"/>
-          </a:effectRef>
-          <a:fontRef idx="minor">
-            <a:schemeClr val="tx1"/>
-          </a:fontRef>
-        </p:style>
-      </p:cxnSp>
-      <p:cxnSp>
-        <p:nvCxnSpPr>
           <p:cNvPr id="32" name="Straight Arrow Connector 31"/>
           <p:cNvCxnSpPr>
             <a:stCxn id="4" idx="6"/>
@@ -4074,6 +4035,13 @@
   <p:clrMapOvr>
     <a:masterClrMapping/>
   </p:clrMapOvr>
+  <p:timing>
+    <p:tnLst>
+      <p:par>
+        <p:cTn xmlns:p14="http://schemas.microsoft.com/office/powerpoint/2010/main" id="1" dur="indefinite" restart="never" nodeType="tmRoot"/>
+      </p:par>
+    </p:tnLst>
+  </p:timing>
 </p:sld>
 </file>
 
